--- a/lecture/code/HW8_design_template.pptx
+++ b/lecture/code/HW8_design_template.pptx
@@ -126,6 +126,14 @@
     </p:ext>
   </p:extLst>
 </p:presentation>
+</file>
+
+<file path=ppt/revisionInfo.xml><?xml version="1.0" encoding="utf-8"?>
+<p1510:revInfo xmlns:a="http://schemas.openxmlformats.org/drawingml/2006/main" xmlns:r="http://schemas.openxmlformats.org/officeDocument/2006/relationships" xmlns:p1510="http://schemas.microsoft.com/office/powerpoint/2015/10/main">
+  <p1510:revLst>
+    <p1510:client id="{5EFFB62D-8843-4AAF-B131-A58C0D9A4015}" v="2" dt="2023-02-09T05:18:54.296"/>
+  </p1510:revLst>
+</p1510:revInfo>
 </file>
 
 <file path=ppt/changesInfos/changesInfo1.xml><?xml version="1.0" encoding="utf-8"?>
@@ -530,6 +538,38 @@
       </pc:sldChg>
     </pc:docChg>
   </pc:docChgLst>
+  <pc:docChgLst>
+    <pc:chgData name="York, George W Civ USAF USAFA DF/DFEC" userId="1fb5875a-4594-4db2-80fb-f0db3de11280" providerId="ADAL" clId="{5EFFB62D-8843-4AAF-B131-A58C0D9A4015}"/>
+    <pc:docChg chg="custSel modSld">
+      <pc:chgData name="York, George W Civ USAF USAFA DF/DFEC" userId="1fb5875a-4594-4db2-80fb-f0db3de11280" providerId="ADAL" clId="{5EFFB62D-8843-4AAF-B131-A58C0D9A4015}" dt="2023-02-09T05:18:54.296" v="3" actId="14100"/>
+      <pc:docMkLst>
+        <pc:docMk/>
+      </pc:docMkLst>
+      <pc:sldChg chg="addSp delSp modSp mod">
+        <pc:chgData name="York, George W Civ USAF USAFA DF/DFEC" userId="1fb5875a-4594-4db2-80fb-f0db3de11280" providerId="ADAL" clId="{5EFFB62D-8843-4AAF-B131-A58C0D9A4015}" dt="2023-02-09T05:18:54.296" v="3" actId="14100"/>
+        <pc:sldMkLst>
+          <pc:docMk/>
+          <pc:sldMk cId="2809407194" sldId="256"/>
+        </pc:sldMkLst>
+        <pc:graphicFrameChg chg="add mod">
+          <ac:chgData name="York, George W Civ USAF USAFA DF/DFEC" userId="1fb5875a-4594-4db2-80fb-f0db3de11280" providerId="ADAL" clId="{5EFFB62D-8843-4AAF-B131-A58C0D9A4015}" dt="2023-02-09T05:18:54.296" v="3" actId="14100"/>
+          <ac:graphicFrameMkLst>
+            <pc:docMk/>
+            <pc:sldMk cId="2809407194" sldId="256"/>
+            <ac:graphicFrameMk id="2" creationId="{5F1F4F3F-9B06-FAA5-E86F-F8E1CCF37B4A}"/>
+          </ac:graphicFrameMkLst>
+        </pc:graphicFrameChg>
+        <pc:picChg chg="del">
+          <ac:chgData name="York, George W Civ USAF USAFA DF/DFEC" userId="1fb5875a-4594-4db2-80fb-f0db3de11280" providerId="ADAL" clId="{5EFFB62D-8843-4AAF-B131-A58C0D9A4015}" dt="2023-02-09T05:18:40.037" v="0" actId="478"/>
+          <ac:picMkLst>
+            <pc:docMk/>
+            <pc:sldMk cId="2809407194" sldId="256"/>
+            <ac:picMk id="374" creationId="{00000000-0000-0000-0000-000000000000}"/>
+          </ac:picMkLst>
+        </pc:picChg>
+      </pc:sldChg>
+    </pc:docChg>
+  </pc:docChgLst>
 </pc:chgInfo>
 </file>
 
@@ -9084,30 +9124,6 @@
           </a:fontRef>
         </p:style>
       </p:cxnSp>
-      <p:pic>
-        <p:nvPicPr>
-          <p:cNvPr id="374" name="Picture 373"/>
-          <p:cNvPicPr>
-            <a:picLocks noChangeAspect="1"/>
-          </p:cNvPicPr>
-          <p:nvPr/>
-        </p:nvPicPr>
-        <p:blipFill>
-          <a:blip r:embed="rId3"/>
-          <a:stretch>
-            <a:fillRect/>
-          </a:stretch>
-        </p:blipFill>
-        <p:spPr>
-          <a:xfrm>
-            <a:off x="1375488" y="6370214"/>
-            <a:ext cx="2507150" cy="2493801"/>
-          </a:xfrm>
-          <a:prstGeom prst="rect">
-            <a:avLst/>
-          </a:prstGeom>
-        </p:spPr>
-      </p:pic>
       <p:cxnSp>
         <p:nvCxnSpPr>
           <p:cNvPr id="110" name="Straight Connector 109"/>
@@ -9735,6 +9751,75 @@
           </a:fontRef>
         </p:style>
       </p:cxnSp>
+      <p:graphicFrame>
+        <p:nvGraphicFramePr>
+          <p:cNvPr id="2" name="Object 1">
+            <a:extLst>
+              <a:ext uri="{FF2B5EF4-FFF2-40B4-BE49-F238E27FC236}">
+                <a16:creationId xmlns:a16="http://schemas.microsoft.com/office/drawing/2014/main" id="{5F1F4F3F-9B06-FAA5-E86F-F8E1CCF37B4A}"/>
+              </a:ext>
+            </a:extLst>
+          </p:cNvPr>
+          <p:cNvGraphicFramePr>
+            <a:graphicFrameLocks noChangeAspect="1"/>
+          </p:cNvGraphicFramePr>
+          <p:nvPr>
+            <p:extLst>
+              <p:ext uri="{D42A27DB-BD31-4B8C-83A1-F6EECF244321}">
+                <p14:modId xmlns:p14="http://schemas.microsoft.com/office/powerpoint/2010/main" val="2430060257"/>
+              </p:ext>
+            </p:extLst>
+          </p:nvPr>
+        </p:nvGraphicFramePr>
+        <p:xfrm>
+          <a:off x="1411131" y="6446861"/>
+          <a:ext cx="2488784" cy="2477573"/>
+        </p:xfrm>
+        <a:graphic>
+          <a:graphicData uri="http://schemas.openxmlformats.org/presentationml/2006/ole">
+            <mc:AlternateContent xmlns:mc="http://schemas.openxmlformats.org/markup-compatibility/2006">
+              <mc:Choice xmlns:v="urn:schemas-microsoft-com:vml" Requires="v">
+                <p:oleObj name="Worksheet" r:id="rId3" imgW="2114695" imgH="2104993" progId="Excel.Sheet.12">
+                  <p:embed/>
+                </p:oleObj>
+              </mc:Choice>
+              <mc:Fallback>
+                <p:oleObj name="Worksheet" r:id="rId3" imgW="2114695" imgH="2104993" progId="Excel.Sheet.12">
+                  <p:embed/>
+                  <p:pic>
+                    <p:nvPicPr>
+                      <p:cNvPr id="2" name="Object 1">
+                        <a:extLst>
+                          <a:ext uri="{FF2B5EF4-FFF2-40B4-BE49-F238E27FC236}">
+                            <a16:creationId xmlns:a16="http://schemas.microsoft.com/office/drawing/2014/main" id="{5F1F4F3F-9B06-FAA5-E86F-F8E1CCF37B4A}"/>
+                          </a:ext>
+                        </a:extLst>
+                      </p:cNvPr>
+                      <p:cNvPicPr/>
+                      <p:nvPr/>
+                    </p:nvPicPr>
+                    <p:blipFill>
+                      <a:blip r:embed="rId4"/>
+                      <a:stretch>
+                        <a:fillRect/>
+                      </a:stretch>
+                    </p:blipFill>
+                    <p:spPr>
+                      <a:xfrm>
+                        <a:off x="1411131" y="6446861"/>
+                        <a:ext cx="2488784" cy="2477573"/>
+                      </a:xfrm>
+                      <a:prstGeom prst="rect">
+                        <a:avLst/>
+                      </a:prstGeom>
+                    </p:spPr>
+                  </p:pic>
+                </p:oleObj>
+              </mc:Fallback>
+            </mc:AlternateContent>
+          </a:graphicData>
+        </a:graphic>
+      </p:graphicFrame>
     </p:spTree>
     <p:extLst>
       <p:ext uri="{BB962C8B-B14F-4D97-AF65-F5344CB8AC3E}">

--- a/lecture/code/HW8_design_template.pptx
+++ b/lecture/code/HW8_design_template.pptx
@@ -138,6 +138,38 @@
 
 <file path=ppt/changesInfos/changesInfo1.xml><?xml version="1.0" encoding="utf-8"?>
 <pc:chgInfo xmlns:a="http://schemas.openxmlformats.org/drawingml/2006/main" xmlns:r="http://schemas.openxmlformats.org/officeDocument/2006/relationships" xmlns:ac="http://schemas.microsoft.com/office/drawing/2013/main/command" xmlns:pc="http://schemas.microsoft.com/office/powerpoint/2013/main/command">
+  <pc:docChgLst>
+    <pc:chgData name="York, George W Civ USAF USAFA DF/DFEC" userId="1fb5875a-4594-4db2-80fb-f0db3de11280" providerId="ADAL" clId="{5EFFB62D-8843-4AAF-B131-A58C0D9A4015}"/>
+    <pc:docChg chg="custSel modSld">
+      <pc:chgData name="York, George W Civ USAF USAFA DF/DFEC" userId="1fb5875a-4594-4db2-80fb-f0db3de11280" providerId="ADAL" clId="{5EFFB62D-8843-4AAF-B131-A58C0D9A4015}" dt="2023-02-09T05:18:54.296" v="3" actId="14100"/>
+      <pc:docMkLst>
+        <pc:docMk/>
+      </pc:docMkLst>
+      <pc:sldChg chg="addSp delSp modSp mod">
+        <pc:chgData name="York, George W Civ USAF USAFA DF/DFEC" userId="1fb5875a-4594-4db2-80fb-f0db3de11280" providerId="ADAL" clId="{5EFFB62D-8843-4AAF-B131-A58C0D9A4015}" dt="2023-02-09T05:18:54.296" v="3" actId="14100"/>
+        <pc:sldMkLst>
+          <pc:docMk/>
+          <pc:sldMk cId="2809407194" sldId="256"/>
+        </pc:sldMkLst>
+        <pc:graphicFrameChg chg="add mod">
+          <ac:chgData name="York, George W Civ USAF USAFA DF/DFEC" userId="1fb5875a-4594-4db2-80fb-f0db3de11280" providerId="ADAL" clId="{5EFFB62D-8843-4AAF-B131-A58C0D9A4015}" dt="2023-02-09T05:18:54.296" v="3" actId="14100"/>
+          <ac:graphicFrameMkLst>
+            <pc:docMk/>
+            <pc:sldMk cId="2809407194" sldId="256"/>
+            <ac:graphicFrameMk id="2" creationId="{5F1F4F3F-9B06-FAA5-E86F-F8E1CCF37B4A}"/>
+          </ac:graphicFrameMkLst>
+        </pc:graphicFrameChg>
+        <pc:picChg chg="del">
+          <ac:chgData name="York, George W Civ USAF USAFA DF/DFEC" userId="1fb5875a-4594-4db2-80fb-f0db3de11280" providerId="ADAL" clId="{5EFFB62D-8843-4AAF-B131-A58C0D9A4015}" dt="2023-02-09T05:18:40.037" v="0" actId="478"/>
+          <ac:picMkLst>
+            <pc:docMk/>
+            <pc:sldMk cId="2809407194" sldId="256"/>
+            <ac:picMk id="374" creationId="{00000000-0000-0000-0000-000000000000}"/>
+          </ac:picMkLst>
+        </pc:picChg>
+      </pc:sldChg>
+    </pc:docChg>
+  </pc:docChgLst>
   <pc:docChgLst>
     <pc:chgData name="York, George W Civ USAF USAFA DF/DFEC" userId="1fb5875a-4594-4db2-80fb-f0db3de11280" providerId="ADAL" clId="{CF4821C8-E19C-4EEF-BF09-011B2942B26A}"/>
     <pc:docChg chg="undo custSel modSld">
@@ -538,38 +570,6 @@
       </pc:sldChg>
     </pc:docChg>
   </pc:docChgLst>
-  <pc:docChgLst>
-    <pc:chgData name="York, George W Civ USAF USAFA DF/DFEC" userId="1fb5875a-4594-4db2-80fb-f0db3de11280" providerId="ADAL" clId="{5EFFB62D-8843-4AAF-B131-A58C0D9A4015}"/>
-    <pc:docChg chg="custSel modSld">
-      <pc:chgData name="York, George W Civ USAF USAFA DF/DFEC" userId="1fb5875a-4594-4db2-80fb-f0db3de11280" providerId="ADAL" clId="{5EFFB62D-8843-4AAF-B131-A58C0D9A4015}" dt="2023-02-09T05:18:54.296" v="3" actId="14100"/>
-      <pc:docMkLst>
-        <pc:docMk/>
-      </pc:docMkLst>
-      <pc:sldChg chg="addSp delSp modSp mod">
-        <pc:chgData name="York, George W Civ USAF USAFA DF/DFEC" userId="1fb5875a-4594-4db2-80fb-f0db3de11280" providerId="ADAL" clId="{5EFFB62D-8843-4AAF-B131-A58C0D9A4015}" dt="2023-02-09T05:18:54.296" v="3" actId="14100"/>
-        <pc:sldMkLst>
-          <pc:docMk/>
-          <pc:sldMk cId="2809407194" sldId="256"/>
-        </pc:sldMkLst>
-        <pc:graphicFrameChg chg="add mod">
-          <ac:chgData name="York, George W Civ USAF USAFA DF/DFEC" userId="1fb5875a-4594-4db2-80fb-f0db3de11280" providerId="ADAL" clId="{5EFFB62D-8843-4AAF-B131-A58C0D9A4015}" dt="2023-02-09T05:18:54.296" v="3" actId="14100"/>
-          <ac:graphicFrameMkLst>
-            <pc:docMk/>
-            <pc:sldMk cId="2809407194" sldId="256"/>
-            <ac:graphicFrameMk id="2" creationId="{5F1F4F3F-9B06-FAA5-E86F-F8E1CCF37B4A}"/>
-          </ac:graphicFrameMkLst>
-        </pc:graphicFrameChg>
-        <pc:picChg chg="del">
-          <ac:chgData name="York, George W Civ USAF USAFA DF/DFEC" userId="1fb5875a-4594-4db2-80fb-f0db3de11280" providerId="ADAL" clId="{5EFFB62D-8843-4AAF-B131-A58C0D9A4015}" dt="2023-02-09T05:18:40.037" v="0" actId="478"/>
-          <ac:picMkLst>
-            <pc:docMk/>
-            <pc:sldMk cId="2809407194" sldId="256"/>
-            <ac:picMk id="374" creationId="{00000000-0000-0000-0000-000000000000}"/>
-          </ac:picMkLst>
-        </pc:picChg>
-      </pc:sldChg>
-    </pc:docChg>
-  </pc:docChgLst>
 </pc:chgInfo>
 </file>
 
@@ -655,7 +655,7 @@
           <a:p>
             <a:fld id="{8B47B975-F7F5-41C4-B0AA-01A9609FE2C9}" type="datetimeFigureOut">
               <a:rPr lang="en-US" smtClean="0"/>
-              <a:t>2/8/2023</a:t>
+              <a:t>2/8/2024</a:t>
             </a:fld>
             <a:endParaRPr lang="en-US"/>
           </a:p>
@@ -1190,7 +1190,7 @@
           <a:p>
             <a:fld id="{46DCA0FF-229E-4D12-A81A-65A0BDBA6233}" type="datetimeFigureOut">
               <a:rPr lang="en-US" smtClean="0"/>
-              <a:t>2/8/2023</a:t>
+              <a:t>2/8/2024</a:t>
             </a:fld>
             <a:endParaRPr lang="en-US"/>
           </a:p>
@@ -1358,7 +1358,7 @@
           <a:p>
             <a:fld id="{46DCA0FF-229E-4D12-A81A-65A0BDBA6233}" type="datetimeFigureOut">
               <a:rPr lang="en-US" smtClean="0"/>
-              <a:t>2/8/2023</a:t>
+              <a:t>2/8/2024</a:t>
             </a:fld>
             <a:endParaRPr lang="en-US"/>
           </a:p>
@@ -1536,7 +1536,7 @@
           <a:p>
             <a:fld id="{46DCA0FF-229E-4D12-A81A-65A0BDBA6233}" type="datetimeFigureOut">
               <a:rPr lang="en-US" smtClean="0"/>
-              <a:t>2/8/2023</a:t>
+              <a:t>2/8/2024</a:t>
             </a:fld>
             <a:endParaRPr lang="en-US"/>
           </a:p>
@@ -1777,7 +1777,7 @@
             <a:fld id="{1D8BD707-D9CF-40AE-B4C6-C98DA3205C09}" type="datetimeFigureOut">
               <a:rPr lang="en-US" smtClean="0"/>
               <a:pPr/>
-              <a:t>2/8/2023</a:t>
+              <a:t>2/8/2024</a:t>
             </a:fld>
             <a:endParaRPr lang="en-US"/>
           </a:p>
@@ -1947,7 +1947,7 @@
             <a:fld id="{1D8BD707-D9CF-40AE-B4C6-C98DA3205C09}" type="datetimeFigureOut">
               <a:rPr lang="en-US" smtClean="0"/>
               <a:pPr/>
-              <a:t>2/8/2023</a:t>
+              <a:t>2/8/2024</a:t>
             </a:fld>
             <a:endParaRPr lang="en-US"/>
           </a:p>
@@ -2194,7 +2194,7 @@
             <a:fld id="{1D8BD707-D9CF-40AE-B4C6-C98DA3205C09}" type="datetimeFigureOut">
               <a:rPr lang="en-US" smtClean="0"/>
               <a:pPr/>
-              <a:t>2/8/2023</a:t>
+              <a:t>2/8/2024</a:t>
             </a:fld>
             <a:endParaRPr lang="en-US"/>
           </a:p>
@@ -2481,7 +2481,7 @@
             <a:fld id="{1D8BD707-D9CF-40AE-B4C6-C98DA3205C09}" type="datetimeFigureOut">
               <a:rPr lang="en-US" smtClean="0"/>
               <a:pPr/>
-              <a:t>2/8/2023</a:t>
+              <a:t>2/8/2024</a:t>
             </a:fld>
             <a:endParaRPr lang="en-US"/>
           </a:p>
@@ -2902,7 +2902,7 @@
             <a:fld id="{1D8BD707-D9CF-40AE-B4C6-C98DA3205C09}" type="datetimeFigureOut">
               <a:rPr lang="en-US" smtClean="0"/>
               <a:pPr/>
-              <a:t>2/8/2023</a:t>
+              <a:t>2/8/2024</a:t>
             </a:fld>
             <a:endParaRPr lang="en-US"/>
           </a:p>
@@ -3021,7 +3021,7 @@
             <a:fld id="{1D8BD707-D9CF-40AE-B4C6-C98DA3205C09}" type="datetimeFigureOut">
               <a:rPr lang="en-US" smtClean="0"/>
               <a:pPr/>
-              <a:t>2/8/2023</a:t>
+              <a:t>2/8/2024</a:t>
             </a:fld>
             <a:endParaRPr lang="en-US"/>
           </a:p>
@@ -3118,7 +3118,7 @@
             <a:fld id="{1D8BD707-D9CF-40AE-B4C6-C98DA3205C09}" type="datetimeFigureOut">
               <a:rPr lang="en-US" smtClean="0"/>
               <a:pPr/>
-              <a:t>2/8/2023</a:t>
+              <a:t>2/8/2024</a:t>
             </a:fld>
             <a:endParaRPr lang="en-US"/>
           </a:p>
@@ -3395,7 +3395,7 @@
             <a:fld id="{1D8BD707-D9CF-40AE-B4C6-C98DA3205C09}" type="datetimeFigureOut">
               <a:rPr lang="en-US" smtClean="0"/>
               <a:pPr/>
-              <a:t>2/8/2023</a:t>
+              <a:t>2/8/2024</a:t>
             </a:fld>
             <a:endParaRPr lang="en-US"/>
           </a:p>
@@ -3564,7 +3564,7 @@
           <a:p>
             <a:fld id="{46DCA0FF-229E-4D12-A81A-65A0BDBA6233}" type="datetimeFigureOut">
               <a:rPr lang="en-US" smtClean="0"/>
-              <a:t>2/8/2023</a:t>
+              <a:t>2/8/2024</a:t>
             </a:fld>
             <a:endParaRPr lang="en-US"/>
           </a:p>
@@ -3817,7 +3817,7 @@
             <a:fld id="{1D8BD707-D9CF-40AE-B4C6-C98DA3205C09}" type="datetimeFigureOut">
               <a:rPr lang="en-US" smtClean="0"/>
               <a:pPr/>
-              <a:t>2/8/2023</a:t>
+              <a:t>2/8/2024</a:t>
             </a:fld>
             <a:endParaRPr lang="en-US"/>
           </a:p>
@@ -3987,7 +3987,7 @@
             <a:fld id="{1D8BD707-D9CF-40AE-B4C6-C98DA3205C09}" type="datetimeFigureOut">
               <a:rPr lang="en-US" smtClean="0"/>
               <a:pPr/>
-              <a:t>2/8/2023</a:t>
+              <a:t>2/8/2024</a:t>
             </a:fld>
             <a:endParaRPr lang="en-US"/>
           </a:p>
@@ -4167,7 +4167,7 @@
             <a:fld id="{1D8BD707-D9CF-40AE-B4C6-C98DA3205C09}" type="datetimeFigureOut">
               <a:rPr lang="en-US" smtClean="0"/>
               <a:pPr/>
-              <a:t>2/8/2023</a:t>
+              <a:t>2/8/2024</a:t>
             </a:fld>
             <a:endParaRPr lang="en-US"/>
           </a:p>
@@ -4413,7 +4413,7 @@
           <a:p>
             <a:fld id="{46DCA0FF-229E-4D12-A81A-65A0BDBA6233}" type="datetimeFigureOut">
               <a:rPr lang="en-US" smtClean="0"/>
-              <a:t>2/8/2023</a:t>
+              <a:t>2/8/2024</a:t>
             </a:fld>
             <a:endParaRPr lang="en-US"/>
           </a:p>
@@ -4698,7 +4698,7 @@
           <a:p>
             <a:fld id="{46DCA0FF-229E-4D12-A81A-65A0BDBA6233}" type="datetimeFigureOut">
               <a:rPr lang="en-US" smtClean="0"/>
-              <a:t>2/8/2023</a:t>
+              <a:t>2/8/2024</a:t>
             </a:fld>
             <a:endParaRPr lang="en-US"/>
           </a:p>
@@ -5117,7 +5117,7 @@
           <a:p>
             <a:fld id="{46DCA0FF-229E-4D12-A81A-65A0BDBA6233}" type="datetimeFigureOut">
               <a:rPr lang="en-US" smtClean="0"/>
-              <a:t>2/8/2023</a:t>
+              <a:t>2/8/2024</a:t>
             </a:fld>
             <a:endParaRPr lang="en-US"/>
           </a:p>
@@ -5234,7 +5234,7 @@
           <a:p>
             <a:fld id="{46DCA0FF-229E-4D12-A81A-65A0BDBA6233}" type="datetimeFigureOut">
               <a:rPr lang="en-US" smtClean="0"/>
-              <a:t>2/8/2023</a:t>
+              <a:t>2/8/2024</a:t>
             </a:fld>
             <a:endParaRPr lang="en-US"/>
           </a:p>
@@ -5329,7 +5329,7 @@
           <a:p>
             <a:fld id="{46DCA0FF-229E-4D12-A81A-65A0BDBA6233}" type="datetimeFigureOut">
               <a:rPr lang="en-US" smtClean="0"/>
-              <a:t>2/8/2023</a:t>
+              <a:t>2/8/2024</a:t>
             </a:fld>
             <a:endParaRPr lang="en-US"/>
           </a:p>
@@ -5604,7 +5604,7 @@
           <a:p>
             <a:fld id="{46DCA0FF-229E-4D12-A81A-65A0BDBA6233}" type="datetimeFigureOut">
               <a:rPr lang="en-US" smtClean="0"/>
-              <a:t>2/8/2023</a:t>
+              <a:t>2/8/2024</a:t>
             </a:fld>
             <a:endParaRPr lang="en-US"/>
           </a:p>
@@ -5856,7 +5856,7 @@
           <a:p>
             <a:fld id="{46DCA0FF-229E-4D12-A81A-65A0BDBA6233}" type="datetimeFigureOut">
               <a:rPr lang="en-US" smtClean="0"/>
-              <a:t>2/8/2023</a:t>
+              <a:t>2/8/2024</a:t>
             </a:fld>
             <a:endParaRPr lang="en-US"/>
           </a:p>
@@ -6067,7 +6067,7 @@
           <a:p>
             <a:fld id="{46DCA0FF-229E-4D12-A81A-65A0BDBA6233}" type="datetimeFigureOut">
               <a:rPr lang="en-US" smtClean="0"/>
-              <a:t>2/8/2023</a:t>
+              <a:t>2/8/2024</a:t>
             </a:fld>
             <a:endParaRPr lang="en-US"/>
           </a:p>
@@ -6576,7 +6576,7 @@
             <a:fld id="{1D8BD707-D9CF-40AE-B4C6-C98DA3205C09}" type="datetimeFigureOut">
               <a:rPr lang="en-US" smtClean="0"/>
               <a:pPr/>
-              <a:t>2/8/2023</a:t>
+              <a:t>2/8/2024</a:t>
             </a:fld>
             <a:endParaRPr lang="en-US"/>
           </a:p>
@@ -7957,7 +7957,7 @@
             </a:r>
             <a:r>
               <a:rPr lang="en-US" sz="1800" dirty="0"/>
-              <a:t>(4)</a:t>
+              <a:t>(3)</a:t>
             </a:r>
           </a:p>
         </p:txBody>
